--- a/경우의 수 임용고시 2009.pptx
+++ b/경우의 수 임용고시 2009.pptx
@@ -8,14 +8,12 @@
     <p:sldId id="256" r:id="rId2"/>
     <p:sldId id="259" r:id="rId3"/>
     <p:sldId id="257" r:id="rId4"/>
-    <p:sldId id="285" r:id="rId5"/>
-    <p:sldId id="286" r:id="rId6"/>
-    <p:sldId id="287" r:id="rId7"/>
-    <p:sldId id="288" r:id="rId8"/>
-    <p:sldId id="289" r:id="rId9"/>
-    <p:sldId id="290" r:id="rId10"/>
-    <p:sldId id="291" r:id="rId11"/>
-    <p:sldId id="292" r:id="rId12"/>
+    <p:sldId id="292" r:id="rId5"/>
+    <p:sldId id="293" r:id="rId6"/>
+    <p:sldId id="294" r:id="rId7"/>
+    <p:sldId id="295" r:id="rId8"/>
+    <p:sldId id="296" r:id="rId9"/>
+    <p:sldId id="297" r:id="rId10"/>
   </p:sldIdLst>
   <p:sldSz cx="12192000" cy="6858000"/>
   <p:notesSz cx="6858000" cy="9144000"/>
@@ -164,10 +162,9 @@
           </a:lstStyle>
           <a:p>
             <a:r>
-              <a:rPr lang="en-US" smtClean="0"/>
+              <a:rPr lang="en-US"/>
               <a:t>Click to edit Master title style</a:t>
             </a:r>
-            <a:endParaRPr lang="en-US"/>
           </a:p>
         </p:txBody>
       </p:sp>
@@ -229,10 +226,9 @@
           </a:lstStyle>
           <a:p>
             <a:r>
-              <a:rPr lang="en-US" smtClean="0"/>
+              <a:rPr lang="en-US"/>
               <a:t>Click to edit Master subtitle style</a:t>
             </a:r>
-            <a:endParaRPr lang="en-US"/>
           </a:p>
         </p:txBody>
       </p:sp>
@@ -253,7 +249,7 @@
           <a:p>
             <a:fld id="{5B3AD1D6-AE87-C841-B3FD-7C9F7FCAE5AE}" type="datetimeFigureOut">
               <a:rPr lang="en-US" smtClean="0"/>
-              <a:t>12/15/19</a:t>
+              <a:t>12/20/19</a:t>
             </a:fld>
             <a:endParaRPr lang="en-US"/>
           </a:p>
@@ -347,10 +343,9 @@
           <a:lstStyle/>
           <a:p>
             <a:r>
-              <a:rPr lang="en-US" smtClean="0"/>
+              <a:rPr lang="en-US"/>
               <a:t>Click to edit Master title style</a:t>
             </a:r>
-            <a:endParaRPr lang="en-US"/>
           </a:p>
         </p:txBody>
       </p:sp>
@@ -371,38 +366,37 @@
           <a:p>
             <a:pPr lvl="0"/>
             <a:r>
-              <a:rPr lang="en-US" smtClean="0"/>
+              <a:rPr lang="en-US"/>
               <a:t>Click to edit Master text styles</a:t>
             </a:r>
           </a:p>
           <a:p>
             <a:pPr lvl="1"/>
             <a:r>
-              <a:rPr lang="en-US" smtClean="0"/>
+              <a:rPr lang="en-US"/>
               <a:t>Second level</a:t>
             </a:r>
           </a:p>
           <a:p>
             <a:pPr lvl="2"/>
             <a:r>
-              <a:rPr lang="en-US" smtClean="0"/>
+              <a:rPr lang="en-US"/>
               <a:t>Third level</a:t>
             </a:r>
           </a:p>
           <a:p>
             <a:pPr lvl="3"/>
             <a:r>
-              <a:rPr lang="en-US" smtClean="0"/>
+              <a:rPr lang="en-US"/>
               <a:t>Fourth level</a:t>
             </a:r>
           </a:p>
           <a:p>
             <a:pPr lvl="4"/>
             <a:r>
-              <a:rPr lang="en-US" smtClean="0"/>
+              <a:rPr lang="en-US"/>
               <a:t>Fifth level</a:t>
             </a:r>
-            <a:endParaRPr lang="en-US"/>
           </a:p>
         </p:txBody>
       </p:sp>
@@ -423,7 +417,7 @@
           <a:p>
             <a:fld id="{5B3AD1D6-AE87-C841-B3FD-7C9F7FCAE5AE}" type="datetimeFigureOut">
               <a:rPr lang="en-US" smtClean="0"/>
-              <a:t>12/15/19</a:t>
+              <a:t>12/20/19</a:t>
             </a:fld>
             <a:endParaRPr lang="en-US"/>
           </a:p>
@@ -522,10 +516,9 @@
           <a:lstStyle/>
           <a:p>
             <a:r>
-              <a:rPr lang="en-US" smtClean="0"/>
+              <a:rPr lang="en-US"/>
               <a:t>Click to edit Master title style</a:t>
             </a:r>
-            <a:endParaRPr lang="en-US"/>
           </a:p>
         </p:txBody>
       </p:sp>
@@ -551,38 +544,37 @@
           <a:p>
             <a:pPr lvl="0"/>
             <a:r>
-              <a:rPr lang="en-US" smtClean="0"/>
+              <a:rPr lang="en-US"/>
               <a:t>Click to edit Master text styles</a:t>
             </a:r>
           </a:p>
           <a:p>
             <a:pPr lvl="1"/>
             <a:r>
-              <a:rPr lang="en-US" smtClean="0"/>
+              <a:rPr lang="en-US"/>
               <a:t>Second level</a:t>
             </a:r>
           </a:p>
           <a:p>
             <a:pPr lvl="2"/>
             <a:r>
-              <a:rPr lang="en-US" smtClean="0"/>
+              <a:rPr lang="en-US"/>
               <a:t>Third level</a:t>
             </a:r>
           </a:p>
           <a:p>
             <a:pPr lvl="3"/>
             <a:r>
-              <a:rPr lang="en-US" smtClean="0"/>
+              <a:rPr lang="en-US"/>
               <a:t>Fourth level</a:t>
             </a:r>
           </a:p>
           <a:p>
             <a:pPr lvl="4"/>
             <a:r>
-              <a:rPr lang="en-US" smtClean="0"/>
+              <a:rPr lang="en-US"/>
               <a:t>Fifth level</a:t>
             </a:r>
-            <a:endParaRPr lang="en-US"/>
           </a:p>
         </p:txBody>
       </p:sp>
@@ -603,7 +595,7 @@
           <a:p>
             <a:fld id="{5B3AD1D6-AE87-C841-B3FD-7C9F7FCAE5AE}" type="datetimeFigureOut">
               <a:rPr lang="en-US" smtClean="0"/>
-              <a:t>12/15/19</a:t>
+              <a:t>12/20/19</a:t>
             </a:fld>
             <a:endParaRPr lang="en-US"/>
           </a:p>
@@ -697,10 +689,9 @@
           <a:lstStyle/>
           <a:p>
             <a:r>
-              <a:rPr lang="en-US" smtClean="0"/>
+              <a:rPr lang="en-US"/>
               <a:t>Click to edit Master title style</a:t>
             </a:r>
-            <a:endParaRPr lang="en-US"/>
           </a:p>
         </p:txBody>
       </p:sp>
@@ -721,38 +712,37 @@
           <a:p>
             <a:pPr lvl="0"/>
             <a:r>
-              <a:rPr lang="en-US" smtClean="0"/>
+              <a:rPr lang="en-US"/>
               <a:t>Click to edit Master text styles</a:t>
             </a:r>
           </a:p>
           <a:p>
             <a:pPr lvl="1"/>
             <a:r>
-              <a:rPr lang="en-US" smtClean="0"/>
+              <a:rPr lang="en-US"/>
               <a:t>Second level</a:t>
             </a:r>
           </a:p>
           <a:p>
             <a:pPr lvl="2"/>
             <a:r>
-              <a:rPr lang="en-US" smtClean="0"/>
+              <a:rPr lang="en-US"/>
               <a:t>Third level</a:t>
             </a:r>
           </a:p>
           <a:p>
             <a:pPr lvl="3"/>
             <a:r>
-              <a:rPr lang="en-US" smtClean="0"/>
+              <a:rPr lang="en-US"/>
               <a:t>Fourth level</a:t>
             </a:r>
           </a:p>
           <a:p>
             <a:pPr lvl="4"/>
             <a:r>
-              <a:rPr lang="en-US" smtClean="0"/>
+              <a:rPr lang="en-US"/>
               <a:t>Fifth level</a:t>
             </a:r>
-            <a:endParaRPr lang="en-US"/>
           </a:p>
         </p:txBody>
       </p:sp>
@@ -773,7 +763,7 @@
           <a:p>
             <a:fld id="{5B3AD1D6-AE87-C841-B3FD-7C9F7FCAE5AE}" type="datetimeFigureOut">
               <a:rPr lang="en-US" smtClean="0"/>
-              <a:t>12/15/19</a:t>
+              <a:t>12/20/19</a:t>
             </a:fld>
             <a:endParaRPr lang="en-US"/>
           </a:p>
@@ -876,10 +866,9 @@
           </a:lstStyle>
           <a:p>
             <a:r>
-              <a:rPr lang="en-US" smtClean="0"/>
+              <a:rPr lang="en-US"/>
               <a:t>Click to edit Master title style</a:t>
             </a:r>
-            <a:endParaRPr lang="en-US"/>
           </a:p>
         </p:txBody>
       </p:sp>
@@ -996,7 +985,7 @@
           <a:p>
             <a:pPr lvl="0"/>
             <a:r>
-              <a:rPr lang="en-US" smtClean="0"/>
+              <a:rPr lang="en-US"/>
               <a:t>Click to edit Master text styles</a:t>
             </a:r>
           </a:p>
@@ -1019,7 +1008,7 @@
           <a:p>
             <a:fld id="{5B3AD1D6-AE87-C841-B3FD-7C9F7FCAE5AE}" type="datetimeFigureOut">
               <a:rPr lang="en-US" smtClean="0"/>
-              <a:t>12/15/19</a:t>
+              <a:t>12/20/19</a:t>
             </a:fld>
             <a:endParaRPr lang="en-US"/>
           </a:p>
@@ -1113,10 +1102,9 @@
           <a:lstStyle/>
           <a:p>
             <a:r>
-              <a:rPr lang="en-US" smtClean="0"/>
+              <a:rPr lang="en-US"/>
               <a:t>Click to edit Master title style</a:t>
             </a:r>
-            <a:endParaRPr lang="en-US"/>
           </a:p>
         </p:txBody>
       </p:sp>
@@ -1142,38 +1130,37 @@
           <a:p>
             <a:pPr lvl="0"/>
             <a:r>
-              <a:rPr lang="en-US" smtClean="0"/>
+              <a:rPr lang="en-US"/>
               <a:t>Click to edit Master text styles</a:t>
             </a:r>
           </a:p>
           <a:p>
             <a:pPr lvl="1"/>
             <a:r>
-              <a:rPr lang="en-US" smtClean="0"/>
+              <a:rPr lang="en-US"/>
               <a:t>Second level</a:t>
             </a:r>
           </a:p>
           <a:p>
             <a:pPr lvl="2"/>
             <a:r>
-              <a:rPr lang="en-US" smtClean="0"/>
+              <a:rPr lang="en-US"/>
               <a:t>Third level</a:t>
             </a:r>
           </a:p>
           <a:p>
             <a:pPr lvl="3"/>
             <a:r>
-              <a:rPr lang="en-US" smtClean="0"/>
+              <a:rPr lang="en-US"/>
               <a:t>Fourth level</a:t>
             </a:r>
           </a:p>
           <a:p>
             <a:pPr lvl="4"/>
             <a:r>
-              <a:rPr lang="en-US" smtClean="0"/>
+              <a:rPr lang="en-US"/>
               <a:t>Fifth level</a:t>
             </a:r>
-            <a:endParaRPr lang="en-US"/>
           </a:p>
         </p:txBody>
       </p:sp>
@@ -1199,38 +1186,37 @@
           <a:p>
             <a:pPr lvl="0"/>
             <a:r>
-              <a:rPr lang="en-US" smtClean="0"/>
+              <a:rPr lang="en-US"/>
               <a:t>Click to edit Master text styles</a:t>
             </a:r>
           </a:p>
           <a:p>
             <a:pPr lvl="1"/>
             <a:r>
-              <a:rPr lang="en-US" smtClean="0"/>
+              <a:rPr lang="en-US"/>
               <a:t>Second level</a:t>
             </a:r>
           </a:p>
           <a:p>
             <a:pPr lvl="2"/>
             <a:r>
-              <a:rPr lang="en-US" smtClean="0"/>
+              <a:rPr lang="en-US"/>
               <a:t>Third level</a:t>
             </a:r>
           </a:p>
           <a:p>
             <a:pPr lvl="3"/>
             <a:r>
-              <a:rPr lang="en-US" smtClean="0"/>
+              <a:rPr lang="en-US"/>
               <a:t>Fourth level</a:t>
             </a:r>
           </a:p>
           <a:p>
             <a:pPr lvl="4"/>
             <a:r>
-              <a:rPr lang="en-US" smtClean="0"/>
+              <a:rPr lang="en-US"/>
               <a:t>Fifth level</a:t>
             </a:r>
-            <a:endParaRPr lang="en-US"/>
           </a:p>
         </p:txBody>
       </p:sp>
@@ -1251,7 +1237,7 @@
           <a:p>
             <a:fld id="{5B3AD1D6-AE87-C841-B3FD-7C9F7FCAE5AE}" type="datetimeFigureOut">
               <a:rPr lang="en-US" smtClean="0"/>
-              <a:t>12/15/19</a:t>
+              <a:t>12/20/19</a:t>
             </a:fld>
             <a:endParaRPr lang="en-US"/>
           </a:p>
@@ -1350,10 +1336,9 @@
           <a:lstStyle/>
           <a:p>
             <a:r>
-              <a:rPr lang="en-US" smtClean="0"/>
+              <a:rPr lang="en-US"/>
               <a:t>Click to edit Master title style</a:t>
             </a:r>
-            <a:endParaRPr lang="en-US"/>
           </a:p>
         </p:txBody>
       </p:sp>
@@ -1416,7 +1401,7 @@
           <a:p>
             <a:pPr lvl="0"/>
             <a:r>
-              <a:rPr lang="en-US" smtClean="0"/>
+              <a:rPr lang="en-US"/>
               <a:t>Click to edit Master text styles</a:t>
             </a:r>
           </a:p>
@@ -1444,38 +1429,37 @@
           <a:p>
             <a:pPr lvl="0"/>
             <a:r>
-              <a:rPr lang="en-US" smtClean="0"/>
+              <a:rPr lang="en-US"/>
               <a:t>Click to edit Master text styles</a:t>
             </a:r>
           </a:p>
           <a:p>
             <a:pPr lvl="1"/>
             <a:r>
-              <a:rPr lang="en-US" smtClean="0"/>
+              <a:rPr lang="en-US"/>
               <a:t>Second level</a:t>
             </a:r>
           </a:p>
           <a:p>
             <a:pPr lvl="2"/>
             <a:r>
-              <a:rPr lang="en-US" smtClean="0"/>
+              <a:rPr lang="en-US"/>
               <a:t>Third level</a:t>
             </a:r>
           </a:p>
           <a:p>
             <a:pPr lvl="3"/>
             <a:r>
-              <a:rPr lang="en-US" smtClean="0"/>
+              <a:rPr lang="en-US"/>
               <a:t>Fourth level</a:t>
             </a:r>
           </a:p>
           <a:p>
             <a:pPr lvl="4"/>
             <a:r>
-              <a:rPr lang="en-US" smtClean="0"/>
+              <a:rPr lang="en-US"/>
               <a:t>Fifth level</a:t>
             </a:r>
-            <a:endParaRPr lang="en-US"/>
           </a:p>
         </p:txBody>
       </p:sp>
@@ -1538,7 +1522,7 @@
           <a:p>
             <a:pPr lvl="0"/>
             <a:r>
-              <a:rPr lang="en-US" smtClean="0"/>
+              <a:rPr lang="en-US"/>
               <a:t>Click to edit Master text styles</a:t>
             </a:r>
           </a:p>
@@ -1566,38 +1550,37 @@
           <a:p>
             <a:pPr lvl="0"/>
             <a:r>
-              <a:rPr lang="en-US" smtClean="0"/>
+              <a:rPr lang="en-US"/>
               <a:t>Click to edit Master text styles</a:t>
             </a:r>
           </a:p>
           <a:p>
             <a:pPr lvl="1"/>
             <a:r>
-              <a:rPr lang="en-US" smtClean="0"/>
+              <a:rPr lang="en-US"/>
               <a:t>Second level</a:t>
             </a:r>
           </a:p>
           <a:p>
             <a:pPr lvl="2"/>
             <a:r>
-              <a:rPr lang="en-US" smtClean="0"/>
+              <a:rPr lang="en-US"/>
               <a:t>Third level</a:t>
             </a:r>
           </a:p>
           <a:p>
             <a:pPr lvl="3"/>
             <a:r>
-              <a:rPr lang="en-US" smtClean="0"/>
+              <a:rPr lang="en-US"/>
               <a:t>Fourth level</a:t>
             </a:r>
           </a:p>
           <a:p>
             <a:pPr lvl="4"/>
             <a:r>
-              <a:rPr lang="en-US" smtClean="0"/>
+              <a:rPr lang="en-US"/>
               <a:t>Fifth level</a:t>
             </a:r>
-            <a:endParaRPr lang="en-US"/>
           </a:p>
         </p:txBody>
       </p:sp>
@@ -1618,7 +1601,7 @@
           <a:p>
             <a:fld id="{5B3AD1D6-AE87-C841-B3FD-7C9F7FCAE5AE}" type="datetimeFigureOut">
               <a:rPr lang="en-US" smtClean="0"/>
-              <a:t>12/15/19</a:t>
+              <a:t>12/20/19</a:t>
             </a:fld>
             <a:endParaRPr lang="en-US"/>
           </a:p>
@@ -1712,10 +1695,9 @@
           <a:lstStyle/>
           <a:p>
             <a:r>
-              <a:rPr lang="en-US" smtClean="0"/>
+              <a:rPr lang="en-US"/>
               <a:t>Click to edit Master title style</a:t>
             </a:r>
-            <a:endParaRPr lang="en-US"/>
           </a:p>
         </p:txBody>
       </p:sp>
@@ -1736,7 +1718,7 @@
           <a:p>
             <a:fld id="{5B3AD1D6-AE87-C841-B3FD-7C9F7FCAE5AE}" type="datetimeFigureOut">
               <a:rPr lang="en-US" smtClean="0"/>
-              <a:t>12/15/19</a:t>
+              <a:t>12/20/19</a:t>
             </a:fld>
             <a:endParaRPr lang="en-US"/>
           </a:p>
@@ -1831,7 +1813,7 @@
           <a:p>
             <a:fld id="{5B3AD1D6-AE87-C841-B3FD-7C9F7FCAE5AE}" type="datetimeFigureOut">
               <a:rPr lang="en-US" smtClean="0"/>
-              <a:t>12/15/19</a:t>
+              <a:t>12/20/19</a:t>
             </a:fld>
             <a:endParaRPr lang="en-US"/>
           </a:p>
@@ -1934,10 +1916,9 @@
           </a:lstStyle>
           <a:p>
             <a:r>
-              <a:rPr lang="en-US" smtClean="0"/>
+              <a:rPr lang="en-US"/>
               <a:t>Click to edit Master title style</a:t>
             </a:r>
-            <a:endParaRPr lang="en-US"/>
           </a:p>
         </p:txBody>
       </p:sp>
@@ -1991,38 +1972,37 @@
           <a:p>
             <a:pPr lvl="0"/>
             <a:r>
-              <a:rPr lang="en-US" smtClean="0"/>
+              <a:rPr lang="en-US"/>
               <a:t>Click to edit Master text styles</a:t>
             </a:r>
           </a:p>
           <a:p>
             <a:pPr lvl="1"/>
             <a:r>
-              <a:rPr lang="en-US" smtClean="0"/>
+              <a:rPr lang="en-US"/>
               <a:t>Second level</a:t>
             </a:r>
           </a:p>
           <a:p>
             <a:pPr lvl="2"/>
             <a:r>
-              <a:rPr lang="en-US" smtClean="0"/>
+              <a:rPr lang="en-US"/>
               <a:t>Third level</a:t>
             </a:r>
           </a:p>
           <a:p>
             <a:pPr lvl="3"/>
             <a:r>
-              <a:rPr lang="en-US" smtClean="0"/>
+              <a:rPr lang="en-US"/>
               <a:t>Fourth level</a:t>
             </a:r>
           </a:p>
           <a:p>
             <a:pPr lvl="4"/>
             <a:r>
-              <a:rPr lang="en-US" smtClean="0"/>
+              <a:rPr lang="en-US"/>
               <a:t>Fifth level</a:t>
             </a:r>
-            <a:endParaRPr lang="en-US"/>
           </a:p>
         </p:txBody>
       </p:sp>
@@ -2085,7 +2065,7 @@
           <a:p>
             <a:pPr lvl="0"/>
             <a:r>
-              <a:rPr lang="en-US" smtClean="0"/>
+              <a:rPr lang="en-US"/>
               <a:t>Click to edit Master text styles</a:t>
             </a:r>
           </a:p>
@@ -2108,7 +2088,7 @@
           <a:p>
             <a:fld id="{5B3AD1D6-AE87-C841-B3FD-7C9F7FCAE5AE}" type="datetimeFigureOut">
               <a:rPr lang="en-US" smtClean="0"/>
-              <a:t>12/15/19</a:t>
+              <a:t>12/20/19</a:t>
             </a:fld>
             <a:endParaRPr lang="en-US"/>
           </a:p>
@@ -2211,10 +2191,9 @@
           </a:lstStyle>
           <a:p>
             <a:r>
-              <a:rPr lang="en-US" smtClean="0"/>
+              <a:rPr lang="en-US"/>
               <a:t>Click to edit Master title style</a:t>
             </a:r>
-            <a:endParaRPr lang="en-US"/>
           </a:p>
         </p:txBody>
       </p:sp>
@@ -2338,7 +2317,7 @@
           <a:p>
             <a:pPr lvl="0"/>
             <a:r>
-              <a:rPr lang="en-US" smtClean="0"/>
+              <a:rPr lang="en-US"/>
               <a:t>Click to edit Master text styles</a:t>
             </a:r>
           </a:p>
@@ -2361,7 +2340,7 @@
           <a:p>
             <a:fld id="{5B3AD1D6-AE87-C841-B3FD-7C9F7FCAE5AE}" type="datetimeFigureOut">
               <a:rPr lang="en-US" smtClean="0"/>
-              <a:t>12/15/19</a:t>
+              <a:t>12/20/19</a:t>
             </a:fld>
             <a:endParaRPr lang="en-US"/>
           </a:p>
@@ -2470,10 +2449,9 @@
           <a:lstStyle/>
           <a:p>
             <a:r>
-              <a:rPr lang="en-US" smtClean="0"/>
+              <a:rPr lang="en-US"/>
               <a:t>Click to edit Master title style</a:t>
             </a:r>
-            <a:endParaRPr lang="en-US"/>
           </a:p>
         </p:txBody>
       </p:sp>
@@ -2504,38 +2482,37 @@
           <a:p>
             <a:pPr lvl="0"/>
             <a:r>
-              <a:rPr lang="en-US" smtClean="0"/>
+              <a:rPr lang="en-US"/>
               <a:t>Click to edit Master text styles</a:t>
             </a:r>
           </a:p>
           <a:p>
             <a:pPr lvl="1"/>
             <a:r>
-              <a:rPr lang="en-US" smtClean="0"/>
+              <a:rPr lang="en-US"/>
               <a:t>Second level</a:t>
             </a:r>
           </a:p>
           <a:p>
             <a:pPr lvl="2"/>
             <a:r>
-              <a:rPr lang="en-US" smtClean="0"/>
+              <a:rPr lang="en-US"/>
               <a:t>Third level</a:t>
             </a:r>
           </a:p>
           <a:p>
             <a:pPr lvl="3"/>
             <a:r>
-              <a:rPr lang="en-US" smtClean="0"/>
+              <a:rPr lang="en-US"/>
               <a:t>Fourth level</a:t>
             </a:r>
           </a:p>
           <a:p>
             <a:pPr lvl="4"/>
             <a:r>
-              <a:rPr lang="en-US" smtClean="0"/>
+              <a:rPr lang="en-US"/>
               <a:t>Fifth level</a:t>
             </a:r>
-            <a:endParaRPr lang="en-US"/>
           </a:p>
         </p:txBody>
       </p:sp>
@@ -2574,7 +2551,7 @@
           <a:p>
             <a:fld id="{5B3AD1D6-AE87-C841-B3FD-7C9F7FCAE5AE}" type="datetimeFigureOut">
               <a:rPr lang="en-US" smtClean="0"/>
-              <a:t>12/15/19</a:t>
+              <a:t>12/20/19</a:t>
             </a:fld>
             <a:endParaRPr lang="en-US"/>
           </a:p>
@@ -3001,29 +2978,6 @@
           </a:bodyPr>
           <a:lstStyle/>
           <a:p>
-            <a:r>
-              <a:rPr lang="en-US" sz="4000" dirty="0" smtClean="0">
-                <a:latin typeface="Arial Black" charset="0"/>
-                <a:ea typeface="Arial Black" charset="0"/>
-                <a:cs typeface="Arial Black" charset="0"/>
-              </a:rPr>
-              <a:t/>
-            </a:r>
-            <a:br>
-              <a:rPr lang="en-US" sz="4000" dirty="0" smtClean="0">
-                <a:latin typeface="Arial Black" charset="0"/>
-                <a:ea typeface="Arial Black" charset="0"/>
-                <a:cs typeface="Arial Black" charset="0"/>
-              </a:rPr>
-            </a:br>
-            <a:r>
-              <a:rPr lang="en-US" sz="4000" dirty="0">
-                <a:latin typeface="Arial Black" charset="0"/>
-                <a:ea typeface="Arial Black" charset="0"/>
-                <a:cs typeface="Arial Black" charset="0"/>
-              </a:rPr>
-              <a:t/>
-            </a:r>
             <a:br>
               <a:rPr lang="en-US" sz="4000" dirty="0">
                 <a:latin typeface="Arial Black" charset="0"/>
@@ -3031,29 +2985,6 @@
                 <a:cs typeface="Arial Black" charset="0"/>
               </a:rPr>
             </a:br>
-            <a:r>
-              <a:rPr lang="en-US" sz="4000" dirty="0" smtClean="0">
-                <a:latin typeface="Arial Black" charset="0"/>
-                <a:ea typeface="Arial Black" charset="0"/>
-                <a:cs typeface="Arial Black" charset="0"/>
-              </a:rPr>
-              <a:t/>
-            </a:r>
-            <a:br>
-              <a:rPr lang="en-US" sz="4000" dirty="0" smtClean="0">
-                <a:latin typeface="Arial Black" charset="0"/>
-                <a:ea typeface="Arial Black" charset="0"/>
-                <a:cs typeface="Arial Black" charset="0"/>
-              </a:rPr>
-            </a:br>
-            <a:r>
-              <a:rPr lang="en-US" sz="4000" dirty="0">
-                <a:latin typeface="Arial Black" charset="0"/>
-                <a:ea typeface="Arial Black" charset="0"/>
-                <a:cs typeface="Arial Black" charset="0"/>
-              </a:rPr>
-              <a:t/>
-            </a:r>
             <a:br>
               <a:rPr lang="en-US" sz="4000" dirty="0">
                 <a:latin typeface="Arial Black" charset="0"/>
@@ -3061,29 +2992,6 @@
                 <a:cs typeface="Arial Black" charset="0"/>
               </a:rPr>
             </a:br>
-            <a:r>
-              <a:rPr lang="en-US" sz="4000" dirty="0" smtClean="0">
-                <a:latin typeface="Arial Black" charset="0"/>
-                <a:ea typeface="Arial Black" charset="0"/>
-                <a:cs typeface="Arial Black" charset="0"/>
-              </a:rPr>
-              <a:t/>
-            </a:r>
-            <a:br>
-              <a:rPr lang="en-US" sz="4000" dirty="0" smtClean="0">
-                <a:latin typeface="Arial Black" charset="0"/>
-                <a:ea typeface="Arial Black" charset="0"/>
-                <a:cs typeface="Arial Black" charset="0"/>
-              </a:rPr>
-            </a:br>
-            <a:r>
-              <a:rPr lang="en-US" sz="4000" dirty="0">
-                <a:latin typeface="Arial Black" charset="0"/>
-                <a:ea typeface="Arial Black" charset="0"/>
-                <a:cs typeface="Arial Black" charset="0"/>
-              </a:rPr>
-              <a:t/>
-            </a:r>
             <a:br>
               <a:rPr lang="en-US" sz="4000" dirty="0">
                 <a:latin typeface="Arial Black" charset="0"/>
@@ -3091,29 +2999,6 @@
                 <a:cs typeface="Arial Black" charset="0"/>
               </a:rPr>
             </a:br>
-            <a:r>
-              <a:rPr lang="en-US" sz="4000" dirty="0" smtClean="0">
-                <a:latin typeface="Arial Black" charset="0"/>
-                <a:ea typeface="Arial Black" charset="0"/>
-                <a:cs typeface="Arial Black" charset="0"/>
-              </a:rPr>
-              <a:t/>
-            </a:r>
-            <a:br>
-              <a:rPr lang="en-US" sz="4000" dirty="0" smtClean="0">
-                <a:latin typeface="Arial Black" charset="0"/>
-                <a:ea typeface="Arial Black" charset="0"/>
-                <a:cs typeface="Arial Black" charset="0"/>
-              </a:rPr>
-            </a:br>
-            <a:r>
-              <a:rPr lang="en-US" sz="4000" dirty="0">
-                <a:latin typeface="Arial Black" charset="0"/>
-                <a:ea typeface="Arial Black" charset="0"/>
-                <a:cs typeface="Arial Black" charset="0"/>
-              </a:rPr>
-              <a:t/>
-            </a:r>
             <a:br>
               <a:rPr lang="en-US" sz="4000" dirty="0">
                 <a:latin typeface="Arial Black" charset="0"/>
@@ -3121,29 +3006,6 @@
                 <a:cs typeface="Arial Black" charset="0"/>
               </a:rPr>
             </a:br>
-            <a:r>
-              <a:rPr lang="en-US" sz="4000" dirty="0" smtClean="0">
-                <a:latin typeface="Arial Black" charset="0"/>
-                <a:ea typeface="Arial Black" charset="0"/>
-                <a:cs typeface="Arial Black" charset="0"/>
-              </a:rPr>
-              <a:t/>
-            </a:r>
-            <a:br>
-              <a:rPr lang="en-US" sz="4000" dirty="0" smtClean="0">
-                <a:latin typeface="Arial Black" charset="0"/>
-                <a:ea typeface="Arial Black" charset="0"/>
-                <a:cs typeface="Arial Black" charset="0"/>
-              </a:rPr>
-            </a:br>
-            <a:r>
-              <a:rPr lang="en-US" sz="4000" dirty="0">
-                <a:latin typeface="Arial Black" charset="0"/>
-                <a:ea typeface="Arial Black" charset="0"/>
-                <a:cs typeface="Arial Black" charset="0"/>
-              </a:rPr>
-              <a:t/>
-            </a:r>
             <a:br>
               <a:rPr lang="en-US" sz="4000" dirty="0">
                 <a:latin typeface="Arial Black" charset="0"/>
@@ -3151,23 +3013,50 @@
                 <a:cs typeface="Arial Black" charset="0"/>
               </a:rPr>
             </a:br>
-            <a:r>
-              <a:rPr lang="en-US" sz="4000" dirty="0" smtClean="0">
-                <a:latin typeface="Arial Black" charset="0"/>
-                <a:ea typeface="Arial Black" charset="0"/>
-                <a:cs typeface="Arial Black" charset="0"/>
-              </a:rPr>
-              <a:t/>
-            </a:r>
             <a:br>
-              <a:rPr lang="en-US" sz="4000" dirty="0" smtClean="0">
+              <a:rPr lang="en-US" sz="4000" dirty="0">
                 <a:latin typeface="Arial Black" charset="0"/>
                 <a:ea typeface="Arial Black" charset="0"/>
                 <a:cs typeface="Arial Black" charset="0"/>
               </a:rPr>
             </a:br>
-            <a:r>
-              <a:rPr lang="en-US" sz="6700" dirty="0" smtClean="0">
+            <a:br>
+              <a:rPr lang="en-US" sz="4000" dirty="0">
+                <a:latin typeface="Arial Black" charset="0"/>
+                <a:ea typeface="Arial Black" charset="0"/>
+                <a:cs typeface="Arial Black" charset="0"/>
+              </a:rPr>
+            </a:br>
+            <a:br>
+              <a:rPr lang="en-US" sz="4000" dirty="0">
+                <a:latin typeface="Arial Black" charset="0"/>
+                <a:ea typeface="Arial Black" charset="0"/>
+                <a:cs typeface="Arial Black" charset="0"/>
+              </a:rPr>
+            </a:br>
+            <a:br>
+              <a:rPr lang="en-US" sz="4000" dirty="0">
+                <a:latin typeface="Arial Black" charset="0"/>
+                <a:ea typeface="Arial Black" charset="0"/>
+                <a:cs typeface="Arial Black" charset="0"/>
+              </a:rPr>
+            </a:br>
+            <a:br>
+              <a:rPr lang="en-US" sz="4000" dirty="0">
+                <a:latin typeface="Arial Black" charset="0"/>
+                <a:ea typeface="Arial Black" charset="0"/>
+                <a:cs typeface="Arial Black" charset="0"/>
+              </a:rPr>
+            </a:br>
+            <a:br>
+              <a:rPr lang="en-US" sz="4000" dirty="0">
+                <a:latin typeface="Arial Black" charset="0"/>
+                <a:ea typeface="Arial Black" charset="0"/>
+                <a:cs typeface="Arial Black" charset="0"/>
+              </a:rPr>
+            </a:br>
+            <a:r>
+              <a:rPr lang="en-US" sz="6700" dirty="0">
                 <a:latin typeface="Arial Black" charset="0"/>
                 <a:ea typeface="Arial Black" charset="0"/>
                 <a:cs typeface="Arial Black" charset="0"/>
@@ -3175,14 +3064,14 @@
               <a:t>Problems</a:t>
             </a:r>
             <a:br>
-              <a:rPr lang="en-US" sz="6700" dirty="0" smtClean="0">
+              <a:rPr lang="en-US" sz="6700" dirty="0">
                 <a:latin typeface="Arial Black" charset="0"/>
                 <a:ea typeface="Arial Black" charset="0"/>
                 <a:cs typeface="Arial Black" charset="0"/>
               </a:rPr>
             </a:br>
             <a:r>
-              <a:rPr lang="en-US" sz="6700" dirty="0" smtClean="0">
+              <a:rPr lang="en-US" sz="6700" dirty="0">
                 <a:latin typeface="Arial Black" charset="0"/>
                 <a:ea typeface="Arial Black" charset="0"/>
                 <a:cs typeface="Arial Black" charset="0"/>
@@ -3190,14 +3079,14 @@
               <a:t>on</a:t>
             </a:r>
             <a:br>
-              <a:rPr lang="en-US" sz="6700" dirty="0" smtClean="0">
+              <a:rPr lang="en-US" sz="6700">
                 <a:latin typeface="Arial Black" charset="0"/>
                 <a:ea typeface="Arial Black" charset="0"/>
                 <a:cs typeface="Arial Black" charset="0"/>
               </a:rPr>
             </a:br>
             <a:r>
-              <a:rPr lang="en-US" sz="6700" dirty="0" smtClean="0">
+              <a:rPr lang="en-US" sz="6700">
                 <a:latin typeface="Arial Black" charset="0"/>
                 <a:ea typeface="Arial Black" charset="0"/>
                 <a:cs typeface="Arial Black" charset="0"/>
@@ -3205,22 +3094,22 @@
               <a:t>Counting</a:t>
             </a:r>
             <a:br>
-              <a:rPr lang="en-US" sz="6700" dirty="0" smtClean="0">
+              <a:rPr lang="en-US" sz="6700">
                 <a:latin typeface="Arial Black" charset="0"/>
                 <a:ea typeface="Arial Black" charset="0"/>
                 <a:cs typeface="Arial Black" charset="0"/>
               </a:rPr>
             </a:br>
             <a:r>
-              <a:rPr lang="en-US" sz="6700" dirty="0" smtClean="0">
+              <a:rPr lang="en-US" sz="6700">
                 <a:latin typeface="Arial Black" charset="0"/>
                 <a:ea typeface="Arial Black" charset="0"/>
                 <a:cs typeface="Arial Black" charset="0"/>
               </a:rPr>
-              <a:t/>
+              <a:t>2009</a:t>
             </a:r>
             <a:br>
-              <a:rPr lang="en-US" sz="6700" dirty="0" smtClean="0">
+              <a:rPr lang="en-US" sz="6700" dirty="0">
                 <a:latin typeface="Arial Black" charset="0"/>
                 <a:ea typeface="Arial Black" charset="0"/>
                 <a:cs typeface="Arial Black" charset="0"/>
@@ -3264,216 +3153,6 @@
     <p:extLst>
       <p:ext uri="{BB962C8B-B14F-4D97-AF65-F5344CB8AC3E}">
         <p14:creationId xmlns:p14="http://schemas.microsoft.com/office/powerpoint/2010/main" val="2115918036"/>
-      </p:ext>
-    </p:extLst>
-  </p:cSld>
-  <p:clrMapOvr>
-    <a:masterClrMapping/>
-  </p:clrMapOvr>
-</p:sld>
-</file>
-
-<file path=ppt/slides/slide10.xml><?xml version="1.0" encoding="utf-8"?>
-<p:sld xmlns:a="http://schemas.openxmlformats.org/drawingml/2006/main" xmlns:r="http://schemas.openxmlformats.org/officeDocument/2006/relationships" xmlns:p="http://schemas.openxmlformats.org/presentationml/2006/main">
-  <p:cSld>
-    <p:spTree>
-      <p:nvGrpSpPr>
-        <p:cNvPr id="1" name=""/>
-        <p:cNvGrpSpPr/>
-        <p:nvPr/>
-      </p:nvGrpSpPr>
-      <p:grpSpPr>
-        <a:xfrm>
-          <a:off x="0" y="0"/>
-          <a:ext cx="0" cy="0"/>
-          <a:chOff x="0" y="0"/>
-          <a:chExt cx="0" cy="0"/>
-        </a:xfrm>
-      </p:grpSpPr>
-      <p:pic>
-        <p:nvPicPr>
-          <p:cNvPr id="3" name="Picture 2"/>
-          <p:cNvPicPr>
-            <a:picLocks noChangeAspect="1"/>
-          </p:cNvPicPr>
-          <p:nvPr/>
-        </p:nvPicPr>
-        <p:blipFill>
-          <a:blip r:embed="rId2">
-            <a:extLst>
-              <a:ext uri="{28A0092B-C50C-407E-A947-70E740481C1C}">
-                <a14:useLocalDpi xmlns:a14="http://schemas.microsoft.com/office/drawing/2010/main" val="0"/>
-              </a:ext>
-            </a:extLst>
-          </a:blip>
-          <a:stretch>
-            <a:fillRect/>
-          </a:stretch>
-        </p:blipFill>
-        <p:spPr>
-          <a:xfrm>
-            <a:off x="598593" y="2453640"/>
-            <a:ext cx="6030807" cy="1064260"/>
-          </a:xfrm>
-          <a:prstGeom prst="rect">
-            <a:avLst/>
-          </a:prstGeom>
-        </p:spPr>
-      </p:pic>
-      <p:pic>
-        <p:nvPicPr>
-          <p:cNvPr id="4" name="Picture 3"/>
-          <p:cNvPicPr>
-            <a:picLocks noChangeAspect="1"/>
-          </p:cNvPicPr>
-          <p:nvPr/>
-        </p:nvPicPr>
-        <p:blipFill>
-          <a:blip r:embed="rId3">
-            <a:extLst>
-              <a:ext uri="{28A0092B-C50C-407E-A947-70E740481C1C}">
-                <a14:useLocalDpi xmlns:a14="http://schemas.microsoft.com/office/drawing/2010/main" val="0"/>
-              </a:ext>
-            </a:extLst>
-          </a:blip>
-          <a:stretch>
-            <a:fillRect/>
-          </a:stretch>
-        </p:blipFill>
-        <p:spPr>
-          <a:xfrm>
-            <a:off x="230497" y="551180"/>
-            <a:ext cx="11761731" cy="5933440"/>
-          </a:xfrm>
-          <a:prstGeom prst="rect">
-            <a:avLst/>
-          </a:prstGeom>
-        </p:spPr>
-      </p:pic>
-      <p:pic>
-        <p:nvPicPr>
-          <p:cNvPr id="5" name="Picture 4"/>
-          <p:cNvPicPr>
-            <a:picLocks noChangeAspect="1"/>
-          </p:cNvPicPr>
-          <p:nvPr/>
-        </p:nvPicPr>
-        <p:blipFill>
-          <a:blip r:embed="rId4">
-            <a:extLst>
-              <a:ext uri="{28A0092B-C50C-407E-A947-70E740481C1C}">
-                <a14:useLocalDpi xmlns:a14="http://schemas.microsoft.com/office/drawing/2010/main" val="0"/>
-              </a:ext>
-            </a:extLst>
-          </a:blip>
-          <a:stretch>
-            <a:fillRect/>
-          </a:stretch>
-        </p:blipFill>
-        <p:spPr>
-          <a:xfrm>
-            <a:off x="7437120" y="5420360"/>
-            <a:ext cx="4754880" cy="1064260"/>
-          </a:xfrm>
-          <a:prstGeom prst="rect">
-            <a:avLst/>
-          </a:prstGeom>
-        </p:spPr>
-      </p:pic>
-    </p:spTree>
-    <p:extLst>
-      <p:ext uri="{BB962C8B-B14F-4D97-AF65-F5344CB8AC3E}">
-        <p14:creationId xmlns:p14="http://schemas.microsoft.com/office/powerpoint/2010/main" val="551930425"/>
-      </p:ext>
-    </p:extLst>
-  </p:cSld>
-  <p:clrMapOvr>
-    <a:masterClrMapping/>
-  </p:clrMapOvr>
-</p:sld>
-</file>
-
-<file path=ppt/slides/slide11.xml><?xml version="1.0" encoding="utf-8"?>
-<p:sld xmlns:a="http://schemas.openxmlformats.org/drawingml/2006/main" xmlns:r="http://schemas.openxmlformats.org/officeDocument/2006/relationships" xmlns:p="http://schemas.openxmlformats.org/presentationml/2006/main">
-  <p:cSld>
-    <p:spTree>
-      <p:nvGrpSpPr>
-        <p:cNvPr id="1" name=""/>
-        <p:cNvGrpSpPr/>
-        <p:nvPr/>
-      </p:nvGrpSpPr>
-      <p:grpSpPr>
-        <a:xfrm>
-          <a:off x="0" y="0"/>
-          <a:ext cx="0" cy="0"/>
-          <a:chOff x="0" y="0"/>
-          <a:chExt cx="0" cy="0"/>
-        </a:xfrm>
-      </p:grpSpPr>
-      <p:pic>
-        <p:nvPicPr>
-          <p:cNvPr id="3" name="Picture 2"/>
-          <p:cNvPicPr>
-            <a:picLocks noChangeAspect="1"/>
-          </p:cNvPicPr>
-          <p:nvPr/>
-        </p:nvPicPr>
-        <p:blipFill>
-          <a:blip r:embed="rId2">
-            <a:extLst>
-              <a:ext uri="{28A0092B-C50C-407E-A947-70E740481C1C}">
-                <a14:useLocalDpi xmlns:a14="http://schemas.microsoft.com/office/drawing/2010/main" val="0"/>
-              </a:ext>
-            </a:extLst>
-          </a:blip>
-          <a:stretch>
-            <a:fillRect/>
-          </a:stretch>
-        </p:blipFill>
-        <p:spPr>
-          <a:xfrm>
-            <a:off x="598593" y="2453640"/>
-            <a:ext cx="6030807" cy="1064260"/>
-          </a:xfrm>
-          <a:prstGeom prst="rect">
-            <a:avLst/>
-          </a:prstGeom>
-        </p:spPr>
-      </p:pic>
-      <p:pic>
-        <p:nvPicPr>
-          <p:cNvPr id="4" name="Picture 3"/>
-          <p:cNvPicPr>
-            <a:picLocks noChangeAspect="1"/>
-          </p:cNvPicPr>
-          <p:nvPr/>
-        </p:nvPicPr>
-        <p:blipFill>
-          <a:blip r:embed="rId3">
-            <a:extLst>
-              <a:ext uri="{28A0092B-C50C-407E-A947-70E740481C1C}">
-                <a14:useLocalDpi xmlns:a14="http://schemas.microsoft.com/office/drawing/2010/main" val="0"/>
-              </a:ext>
-            </a:extLst>
-          </a:blip>
-          <a:stretch>
-            <a:fillRect/>
-          </a:stretch>
-        </p:blipFill>
-        <p:spPr>
-          <a:xfrm>
-            <a:off x="230497" y="551180"/>
-            <a:ext cx="11761731" cy="5933440"/>
-          </a:xfrm>
-          <a:prstGeom prst="rect">
-            <a:avLst/>
-          </a:prstGeom>
-        </p:spPr>
-      </p:pic>
-    </p:spTree>
-    <p:extLst>
-      <p:ext uri="{BB962C8B-B14F-4D97-AF65-F5344CB8AC3E}">
-        <p14:creationId xmlns:p14="http://schemas.microsoft.com/office/powerpoint/2010/main" val="894076322"/>
       </p:ext>
     </p:extLst>
   </p:cSld>
@@ -3518,18 +3197,13 @@
           <a:lstStyle/>
           <a:p>
             <a:r>
-              <a:rPr lang="en-US" sz="4000" dirty="0" smtClean="0">
+              <a:rPr lang="en-US" sz="4000" dirty="0">
                 <a:latin typeface="Arial Black" charset="0"/>
                 <a:ea typeface="Arial Black" charset="0"/>
                 <a:cs typeface="Arial Black" charset="0"/>
               </a:rPr>
               <a:t>Reference</a:t>
             </a:r>
-            <a:endParaRPr lang="en-US" sz="4000" dirty="0">
-              <a:latin typeface="Arial Black" charset="0"/>
-              <a:ea typeface="Arial Black" charset="0"/>
-              <a:cs typeface="Arial Black" charset="0"/>
-            </a:endParaRPr>
           </a:p>
         </p:txBody>
       </p:sp>
@@ -3548,7 +3222,7 @@
           <a:bodyPr/>
           <a:lstStyle/>
           <a:p>
-            <a:endParaRPr lang="en-US" sz="2000" dirty="0" smtClean="0">
+            <a:endParaRPr lang="en-US" sz="2000" dirty="0">
               <a:latin typeface="Arial Black" charset="0"/>
               <a:ea typeface="Arial Black" charset="0"/>
               <a:cs typeface="Arial Black" charset="0"/>
@@ -3557,7 +3231,7 @@
           </a:p>
           <a:p>
             <a:r>
-              <a:rPr lang="en-US" sz="2000" dirty="0" smtClean="0">
+              <a:rPr lang="en-US" sz="2000" dirty="0">
                 <a:latin typeface="Arial Black" charset="0"/>
                 <a:ea typeface="Arial Black" charset="0"/>
                 <a:cs typeface="Arial Black" charset="0"/>
@@ -3565,14 +3239,14 @@
               </a:rPr>
               <a:t>Data</a:t>
             </a:r>
-            <a:endParaRPr lang="en-US" sz="2000" dirty="0" smtClean="0">
+            <a:endParaRPr lang="en-US" sz="2000" dirty="0">
               <a:latin typeface="Arial Black" charset="0"/>
               <a:ea typeface="Arial Black" charset="0"/>
               <a:cs typeface="Arial Black" charset="0"/>
             </a:endParaRPr>
           </a:p>
           <a:p>
-            <a:endParaRPr lang="en-US" sz="2000" dirty="0" smtClean="0">
+            <a:endParaRPr lang="en-US" sz="2000" dirty="0">
               <a:latin typeface="Arial Black" charset="0"/>
               <a:ea typeface="Arial Black" charset="0"/>
               <a:cs typeface="Arial Black" charset="0"/>
@@ -3580,7 +3254,7 @@
           </a:p>
           <a:p>
             <a:r>
-              <a:rPr lang="en-US" sz="2000" dirty="0" smtClean="0">
+              <a:rPr lang="en-US" sz="2000" dirty="0">
                 <a:latin typeface="Arial Black" charset="0"/>
                 <a:ea typeface="Arial Black" charset="0"/>
                 <a:cs typeface="Arial Black" charset="0"/>
@@ -3588,14 +3262,14 @@
               </a:rPr>
               <a:t>Youtube</a:t>
             </a:r>
-            <a:endParaRPr lang="en-US" sz="2000" dirty="0" smtClean="0">
+            <a:endParaRPr lang="en-US" sz="2000" dirty="0">
               <a:latin typeface="Arial Black" charset="0"/>
               <a:ea typeface="Arial Black" charset="0"/>
               <a:cs typeface="Arial Black" charset="0"/>
             </a:endParaRPr>
           </a:p>
           <a:p>
-            <a:endParaRPr lang="en-US" dirty="0" smtClean="0">
+            <a:endParaRPr lang="en-US" dirty="0">
               <a:latin typeface="Arial Black" charset="0"/>
               <a:ea typeface="Arial Black" charset="0"/>
               <a:cs typeface="Arial Black" charset="0"/>
@@ -3603,7 +3277,7 @@
           </a:p>
           <a:p>
             <a:r>
-              <a:rPr lang="en-US" sz="2000" dirty="0" smtClean="0">
+              <a:rPr lang="en-US" sz="2000" dirty="0">
                 <a:latin typeface="Arial Black" charset="0"/>
                 <a:ea typeface="Arial Black" charset="0"/>
                 <a:cs typeface="Arial Black" charset="0"/>
@@ -3611,7 +3285,7 @@
               </a:rPr>
               <a:t>Code</a:t>
             </a:r>
-            <a:endParaRPr lang="en-US" sz="2000" dirty="0" smtClean="0">
+            <a:endParaRPr lang="en-US" sz="2000" dirty="0">
               <a:latin typeface="Arial Black" charset="0"/>
               <a:ea typeface="Arial Black" charset="0"/>
               <a:cs typeface="Arial Black" charset="0"/>
@@ -3630,13 +3304,6 @@
   <p:clrMapOvr>
     <a:masterClrMapping/>
   </p:clrMapOvr>
-  <p:timing>
-    <p:tnLst>
-      <p:par>
-        <p:cTn id="1" dur="indefinite" restart="never" nodeType="tmRoot"/>
-      </p:par>
-    </p:tnLst>
-  </p:timing>
 </p:sld>
 </file>
 
@@ -3680,42 +3347,13 @@
           <a:lstStyle/>
           <a:p>
             <a:r>
-              <a:rPr lang="en-US" sz="4000" dirty="0" smtClean="0">
-                <a:latin typeface="Arial Black" charset="0"/>
-                <a:ea typeface="Arial Black" charset="0"/>
-                <a:cs typeface="Arial Black" charset="0"/>
-              </a:rPr>
-              <a:t>[</a:t>
-            </a:r>
-            <a:r>
-              <a:rPr lang="en-US" sz="4000" dirty="0" smtClean="0">
-                <a:latin typeface="Arial Black" charset="0"/>
-                <a:ea typeface="Arial Black" charset="0"/>
-                <a:cs typeface="Arial Black" charset="0"/>
-              </a:rPr>
-              <a:t>200</a:t>
-            </a:r>
-            <a:r>
               <a:rPr lang="en-US" sz="4000" dirty="0">
                 <a:latin typeface="Arial Black" charset="0"/>
                 <a:ea typeface="Arial Black" charset="0"/>
                 <a:cs typeface="Arial Black" charset="0"/>
               </a:rPr>
-              <a:t>9</a:t>
-            </a:r>
-            <a:r>
-              <a:rPr lang="en-US" sz="4000" dirty="0" smtClean="0">
-                <a:latin typeface="Arial Black" charset="0"/>
-                <a:ea typeface="Arial Black" charset="0"/>
-                <a:cs typeface="Arial Black" charset="0"/>
-              </a:rPr>
-              <a:t>]</a:t>
-            </a:r>
-            <a:endParaRPr lang="en-US" sz="4000" dirty="0">
-              <a:latin typeface="Arial Black" charset="0"/>
-              <a:ea typeface="Arial Black" charset="0"/>
-              <a:cs typeface="Arial Black" charset="0"/>
-            </a:endParaRPr>
+              <a:t>[2009]</a:t>
+            </a:r>
           </a:p>
         </p:txBody>
       </p:sp>
@@ -3818,21 +3456,14 @@
           <p:nvPr/>
         </p:nvPicPr>
         <p:blipFill>
-          <a:blip r:embed="rId3">
-            <a:extLst>
-              <a:ext uri="{28A0092B-C50C-407E-A947-70E740481C1C}">
-                <a14:useLocalDpi xmlns:a14="http://schemas.microsoft.com/office/drawing/2010/main" val="0"/>
-              </a:ext>
-            </a:extLst>
-          </a:blip>
-          <a:stretch>
-            <a:fillRect/>
-          </a:stretch>
+          <a:blip r:embed="rId3"/>
+          <a:srcRect/>
+          <a:stretch/>
         </p:blipFill>
         <p:spPr>
           <a:xfrm>
-            <a:off x="230497" y="551180"/>
-            <a:ext cx="11761731" cy="5933440"/>
+            <a:off x="230497" y="726394"/>
+            <a:ext cx="11761731" cy="5583012"/>
           </a:xfrm>
           <a:prstGeom prst="rect">
             <a:avLst/>
@@ -3841,28 +3472,28 @@
       </p:pic>
       <p:pic>
         <p:nvPicPr>
-          <p:cNvPr id="5" name="Picture 4"/>
+          <p:cNvPr id="5" name="Picture 4" descr="A close up of a logo&#10;&#10;Description automatically generated">
+            <a:extLst>
+              <a:ext uri="{FF2B5EF4-FFF2-40B4-BE49-F238E27FC236}">
+                <a16:creationId xmlns:a16="http://schemas.microsoft.com/office/drawing/2014/main" id="{1B1B0A27-B42C-2B49-BDA2-87BAFDB954DF}"/>
+              </a:ext>
+            </a:extLst>
+          </p:cNvPr>
           <p:cNvPicPr>
             <a:picLocks noChangeAspect="1"/>
           </p:cNvPicPr>
           <p:nvPr/>
         </p:nvPicPr>
         <p:blipFill>
-          <a:blip r:embed="rId4">
-            <a:extLst>
-              <a:ext uri="{28A0092B-C50C-407E-A947-70E740481C1C}">
-                <a14:useLocalDpi xmlns:a14="http://schemas.microsoft.com/office/drawing/2010/main" val="0"/>
-              </a:ext>
-            </a:extLst>
-          </a:blip>
+          <a:blip r:embed="rId4"/>
           <a:stretch>
             <a:fillRect/>
           </a:stretch>
         </p:blipFill>
         <p:spPr>
           <a:xfrm>
-            <a:off x="0" y="2057400"/>
-            <a:ext cx="12192000" cy="4427220"/>
+            <a:off x="598593" y="1850315"/>
+            <a:ext cx="11393635" cy="4572000"/>
           </a:xfrm>
           <a:prstGeom prst="rect">
             <a:avLst/>
@@ -3872,7 +3503,7 @@
     </p:spTree>
     <p:extLst>
       <p:ext uri="{BB962C8B-B14F-4D97-AF65-F5344CB8AC3E}">
-        <p14:creationId xmlns:p14="http://schemas.microsoft.com/office/powerpoint/2010/main" val="1486962172"/>
+        <p14:creationId xmlns:p14="http://schemas.microsoft.com/office/powerpoint/2010/main" val="894076322"/>
       </p:ext>
     </p:extLst>
   </p:cSld>
@@ -3938,21 +3569,14 @@
           <p:nvPr/>
         </p:nvPicPr>
         <p:blipFill>
-          <a:blip r:embed="rId3">
-            <a:extLst>
-              <a:ext uri="{28A0092B-C50C-407E-A947-70E740481C1C}">
-                <a14:useLocalDpi xmlns:a14="http://schemas.microsoft.com/office/drawing/2010/main" val="0"/>
-              </a:ext>
-            </a:extLst>
-          </a:blip>
-          <a:stretch>
-            <a:fillRect/>
-          </a:stretch>
+          <a:blip r:embed="rId3"/>
+          <a:srcRect/>
+          <a:stretch/>
         </p:blipFill>
         <p:spPr>
           <a:xfrm>
-            <a:off x="230497" y="551180"/>
-            <a:ext cx="11761731" cy="5933440"/>
+            <a:off x="230497" y="726394"/>
+            <a:ext cx="11761731" cy="5583012"/>
           </a:xfrm>
           <a:prstGeom prst="rect">
             <a:avLst/>
@@ -3961,28 +3585,28 @@
       </p:pic>
       <p:pic>
         <p:nvPicPr>
-          <p:cNvPr id="5" name="Picture 4"/>
+          <p:cNvPr id="5" name="Picture 4" descr="A close up of a logo&#10;&#10;Description automatically generated">
+            <a:extLst>
+              <a:ext uri="{FF2B5EF4-FFF2-40B4-BE49-F238E27FC236}">
+                <a16:creationId xmlns:a16="http://schemas.microsoft.com/office/drawing/2014/main" id="{1B1B0A27-B42C-2B49-BDA2-87BAFDB954DF}"/>
+              </a:ext>
+            </a:extLst>
+          </p:cNvPr>
           <p:cNvPicPr>
             <a:picLocks noChangeAspect="1"/>
           </p:cNvPicPr>
           <p:nvPr/>
         </p:nvPicPr>
         <p:blipFill>
-          <a:blip r:embed="rId4">
-            <a:extLst>
-              <a:ext uri="{28A0092B-C50C-407E-A947-70E740481C1C}">
-                <a14:useLocalDpi xmlns:a14="http://schemas.microsoft.com/office/drawing/2010/main" val="0"/>
-              </a:ext>
-            </a:extLst>
-          </a:blip>
+          <a:blip r:embed="rId4"/>
           <a:stretch>
             <a:fillRect/>
           </a:stretch>
         </p:blipFill>
         <p:spPr>
           <a:xfrm>
-            <a:off x="0" y="2819400"/>
-            <a:ext cx="12192000" cy="3665220"/>
+            <a:off x="598593" y="2721685"/>
+            <a:ext cx="11393635" cy="3700630"/>
           </a:xfrm>
           <a:prstGeom prst="rect">
             <a:avLst/>
@@ -3992,7 +3616,7 @@
     </p:spTree>
     <p:extLst>
       <p:ext uri="{BB962C8B-B14F-4D97-AF65-F5344CB8AC3E}">
-        <p14:creationId xmlns:p14="http://schemas.microsoft.com/office/powerpoint/2010/main" val="110538884"/>
+        <p14:creationId xmlns:p14="http://schemas.microsoft.com/office/powerpoint/2010/main" val="1189794700"/>
       </p:ext>
     </p:extLst>
   </p:cSld>
@@ -4058,21 +3682,14 @@
           <p:nvPr/>
         </p:nvPicPr>
         <p:blipFill>
-          <a:blip r:embed="rId3">
-            <a:extLst>
-              <a:ext uri="{28A0092B-C50C-407E-A947-70E740481C1C}">
-                <a14:useLocalDpi xmlns:a14="http://schemas.microsoft.com/office/drawing/2010/main" val="0"/>
-              </a:ext>
-            </a:extLst>
-          </a:blip>
-          <a:stretch>
-            <a:fillRect/>
-          </a:stretch>
+          <a:blip r:embed="rId3"/>
+          <a:srcRect/>
+          <a:stretch/>
         </p:blipFill>
         <p:spPr>
           <a:xfrm>
-            <a:off x="230497" y="551180"/>
-            <a:ext cx="11761731" cy="5933440"/>
+            <a:off x="230497" y="726394"/>
+            <a:ext cx="11761731" cy="5583012"/>
           </a:xfrm>
           <a:prstGeom prst="rect">
             <a:avLst/>
@@ -4081,28 +3698,28 @@
       </p:pic>
       <p:pic>
         <p:nvPicPr>
-          <p:cNvPr id="5" name="Picture 4"/>
+          <p:cNvPr id="5" name="Picture 4" descr="A close up of a logo&#10;&#10;Description automatically generated">
+            <a:extLst>
+              <a:ext uri="{FF2B5EF4-FFF2-40B4-BE49-F238E27FC236}">
+                <a16:creationId xmlns:a16="http://schemas.microsoft.com/office/drawing/2014/main" id="{1B1B0A27-B42C-2B49-BDA2-87BAFDB954DF}"/>
+              </a:ext>
+            </a:extLst>
+          </p:cNvPr>
           <p:cNvPicPr>
             <a:picLocks noChangeAspect="1"/>
           </p:cNvPicPr>
           <p:nvPr/>
         </p:nvPicPr>
         <p:blipFill>
-          <a:blip r:embed="rId4">
-            <a:extLst>
-              <a:ext uri="{28A0092B-C50C-407E-A947-70E740481C1C}">
-                <a14:useLocalDpi xmlns:a14="http://schemas.microsoft.com/office/drawing/2010/main" val="0"/>
-              </a:ext>
-            </a:extLst>
-          </a:blip>
+          <a:blip r:embed="rId4"/>
           <a:stretch>
             <a:fillRect/>
           </a:stretch>
         </p:blipFill>
         <p:spPr>
           <a:xfrm>
-            <a:off x="0" y="3517900"/>
-            <a:ext cx="12192000" cy="2966720"/>
+            <a:off x="598593" y="4346089"/>
+            <a:ext cx="11393635" cy="2076226"/>
           </a:xfrm>
           <a:prstGeom prst="rect">
             <a:avLst/>
@@ -4112,7 +3729,7 @@
     </p:spTree>
     <p:extLst>
       <p:ext uri="{BB962C8B-B14F-4D97-AF65-F5344CB8AC3E}">
-        <p14:creationId xmlns:p14="http://schemas.microsoft.com/office/powerpoint/2010/main" val="1416414358"/>
+        <p14:creationId xmlns:p14="http://schemas.microsoft.com/office/powerpoint/2010/main" val="2565150424"/>
       </p:ext>
     </p:extLst>
   </p:cSld>
@@ -4178,21 +3795,14 @@
           <p:nvPr/>
         </p:nvPicPr>
         <p:blipFill>
-          <a:blip r:embed="rId3">
-            <a:extLst>
-              <a:ext uri="{28A0092B-C50C-407E-A947-70E740481C1C}">
-                <a14:useLocalDpi xmlns:a14="http://schemas.microsoft.com/office/drawing/2010/main" val="0"/>
-              </a:ext>
-            </a:extLst>
-          </a:blip>
-          <a:stretch>
-            <a:fillRect/>
-          </a:stretch>
+          <a:blip r:embed="rId3"/>
+          <a:srcRect/>
+          <a:stretch/>
         </p:blipFill>
         <p:spPr>
           <a:xfrm>
-            <a:off x="230497" y="551180"/>
-            <a:ext cx="11761731" cy="5933440"/>
+            <a:off x="230497" y="726394"/>
+            <a:ext cx="11761731" cy="5583012"/>
           </a:xfrm>
           <a:prstGeom prst="rect">
             <a:avLst/>
@@ -4201,28 +3811,28 @@
       </p:pic>
       <p:pic>
         <p:nvPicPr>
-          <p:cNvPr id="5" name="Picture 4"/>
+          <p:cNvPr id="5" name="Picture 4" descr="A close up of a logo&#10;&#10;Description automatically generated">
+            <a:extLst>
+              <a:ext uri="{FF2B5EF4-FFF2-40B4-BE49-F238E27FC236}">
+                <a16:creationId xmlns:a16="http://schemas.microsoft.com/office/drawing/2014/main" id="{1B1B0A27-B42C-2B49-BDA2-87BAFDB954DF}"/>
+              </a:ext>
+            </a:extLst>
+          </p:cNvPr>
           <p:cNvPicPr>
             <a:picLocks noChangeAspect="1"/>
           </p:cNvPicPr>
           <p:nvPr/>
         </p:nvPicPr>
         <p:blipFill>
-          <a:blip r:embed="rId4">
-            <a:extLst>
-              <a:ext uri="{28A0092B-C50C-407E-A947-70E740481C1C}">
-                <a14:useLocalDpi xmlns:a14="http://schemas.microsoft.com/office/drawing/2010/main" val="0"/>
-              </a:ext>
-            </a:extLst>
-          </a:blip>
+          <a:blip r:embed="rId4"/>
           <a:stretch>
             <a:fillRect/>
           </a:stretch>
         </p:blipFill>
         <p:spPr>
           <a:xfrm>
-            <a:off x="0" y="4434840"/>
-            <a:ext cx="12192000" cy="2049780"/>
+            <a:off x="5185186" y="5163671"/>
+            <a:ext cx="6807042" cy="1258643"/>
           </a:xfrm>
           <a:prstGeom prst="rect">
             <a:avLst/>
@@ -4232,7 +3842,7 @@
     </p:spTree>
     <p:extLst>
       <p:ext uri="{BB962C8B-B14F-4D97-AF65-F5344CB8AC3E}">
-        <p14:creationId xmlns:p14="http://schemas.microsoft.com/office/powerpoint/2010/main" val="215397413"/>
+        <p14:creationId xmlns:p14="http://schemas.microsoft.com/office/powerpoint/2010/main" val="907179033"/>
       </p:ext>
     </p:extLst>
   </p:cSld>
@@ -4298,21 +3908,14 @@
           <p:nvPr/>
         </p:nvPicPr>
         <p:blipFill>
-          <a:blip r:embed="rId3">
-            <a:extLst>
-              <a:ext uri="{28A0092B-C50C-407E-A947-70E740481C1C}">
-                <a14:useLocalDpi xmlns:a14="http://schemas.microsoft.com/office/drawing/2010/main" val="0"/>
-              </a:ext>
-            </a:extLst>
-          </a:blip>
-          <a:stretch>
-            <a:fillRect/>
-          </a:stretch>
+          <a:blip r:embed="rId3"/>
+          <a:srcRect/>
+          <a:stretch/>
         </p:blipFill>
         <p:spPr>
           <a:xfrm>
-            <a:off x="230497" y="551180"/>
-            <a:ext cx="11761731" cy="5933440"/>
+            <a:off x="230497" y="726394"/>
+            <a:ext cx="11761731" cy="5583012"/>
           </a:xfrm>
           <a:prstGeom prst="rect">
             <a:avLst/>
@@ -4321,28 +3924,28 @@
       </p:pic>
       <p:pic>
         <p:nvPicPr>
-          <p:cNvPr id="5" name="Picture 4"/>
+          <p:cNvPr id="5" name="Picture 4" descr="A close up of a logo&#10;&#10;Description automatically generated">
+            <a:extLst>
+              <a:ext uri="{FF2B5EF4-FFF2-40B4-BE49-F238E27FC236}">
+                <a16:creationId xmlns:a16="http://schemas.microsoft.com/office/drawing/2014/main" id="{1B1B0A27-B42C-2B49-BDA2-87BAFDB954DF}"/>
+              </a:ext>
+            </a:extLst>
+          </p:cNvPr>
           <p:cNvPicPr>
             <a:picLocks noChangeAspect="1"/>
           </p:cNvPicPr>
           <p:nvPr/>
         </p:nvPicPr>
         <p:blipFill>
-          <a:blip r:embed="rId4">
-            <a:extLst>
-              <a:ext uri="{28A0092B-C50C-407E-A947-70E740481C1C}">
-                <a14:useLocalDpi xmlns:a14="http://schemas.microsoft.com/office/drawing/2010/main" val="0"/>
-              </a:ext>
-            </a:extLst>
-          </a:blip>
+          <a:blip r:embed="rId4"/>
           <a:stretch>
             <a:fillRect/>
           </a:stretch>
         </p:blipFill>
         <p:spPr>
           <a:xfrm>
-            <a:off x="0" y="5420360"/>
-            <a:ext cx="12192000" cy="1064260"/>
+            <a:off x="7358230" y="5163671"/>
+            <a:ext cx="4633997" cy="1258643"/>
           </a:xfrm>
           <a:prstGeom prst="rect">
             <a:avLst/>
@@ -4352,7 +3955,7 @@
     </p:spTree>
     <p:extLst>
       <p:ext uri="{BB962C8B-B14F-4D97-AF65-F5344CB8AC3E}">
-        <p14:creationId xmlns:p14="http://schemas.microsoft.com/office/powerpoint/2010/main" val="1235312515"/>
+        <p14:creationId xmlns:p14="http://schemas.microsoft.com/office/powerpoint/2010/main" val="13582379"/>
       </p:ext>
     </p:extLst>
   </p:cSld>
@@ -4418,51 +4021,14 @@
           <p:nvPr/>
         </p:nvPicPr>
         <p:blipFill>
-          <a:blip r:embed="rId3">
-            <a:extLst>
-              <a:ext uri="{28A0092B-C50C-407E-A947-70E740481C1C}">
-                <a14:useLocalDpi xmlns:a14="http://schemas.microsoft.com/office/drawing/2010/main" val="0"/>
-              </a:ext>
-            </a:extLst>
-          </a:blip>
-          <a:stretch>
-            <a:fillRect/>
-          </a:stretch>
+          <a:blip r:embed="rId3"/>
+          <a:srcRect/>
+          <a:stretch/>
         </p:blipFill>
         <p:spPr>
           <a:xfrm>
-            <a:off x="230497" y="551180"/>
-            <a:ext cx="11761731" cy="5933440"/>
-          </a:xfrm>
-          <a:prstGeom prst="rect">
-            <a:avLst/>
-          </a:prstGeom>
-        </p:spPr>
-      </p:pic>
-      <p:pic>
-        <p:nvPicPr>
-          <p:cNvPr id="5" name="Picture 4"/>
-          <p:cNvPicPr>
-            <a:picLocks noChangeAspect="1"/>
-          </p:cNvPicPr>
-          <p:nvPr/>
-        </p:nvPicPr>
-        <p:blipFill>
-          <a:blip r:embed="rId4">
-            <a:extLst>
-              <a:ext uri="{28A0092B-C50C-407E-A947-70E740481C1C}">
-                <a14:useLocalDpi xmlns:a14="http://schemas.microsoft.com/office/drawing/2010/main" val="0"/>
-              </a:ext>
-            </a:extLst>
-          </a:blip>
-          <a:stretch>
-            <a:fillRect/>
-          </a:stretch>
-        </p:blipFill>
-        <p:spPr>
-          <a:xfrm>
-            <a:off x="5029200" y="5420360"/>
-            <a:ext cx="7162800" cy="1064260"/>
+            <a:off x="230497" y="726394"/>
+            <a:ext cx="11761731" cy="5583012"/>
           </a:xfrm>
           <a:prstGeom prst="rect">
             <a:avLst/>
@@ -4472,7 +4038,7 @@
     </p:spTree>
     <p:extLst>
       <p:ext uri="{BB962C8B-B14F-4D97-AF65-F5344CB8AC3E}">
-        <p14:creationId xmlns:p14="http://schemas.microsoft.com/office/powerpoint/2010/main" val="807936743"/>
+        <p14:creationId xmlns:p14="http://schemas.microsoft.com/office/powerpoint/2010/main" val="3808755856"/>
       </p:ext>
     </p:extLst>
   </p:cSld>
